--- a/Ouss Villedieu - Voix - Presentation.pptx
+++ b/Ouss Villedieu - Voix - Presentation.pptx
@@ -4880,11 +4880,7 @@
             </a:pPr>
             <a:r>
               <a:rPr lang="fr-FR" dirty="0" smtClean="0"/>
-              <a:t>Par le port </a:t>
-            </a:r>
-            <a:r>
-              <a:rPr lang="fr-FR" dirty="0" smtClean="0"/>
-              <a:t>série</a:t>
+              <a:t>Par le port série</a:t>
             </a:r>
           </a:p>
           <a:p>
@@ -4938,7 +4934,6 @@
               <a:rPr lang="fr-FR" dirty="0" smtClean="0"/>
               <a:t>Fermeture du port</a:t>
             </a:r>
-            <a:endParaRPr lang="fr-FR" dirty="0" smtClean="0"/>
           </a:p>
         </p:txBody>
       </p:sp>
@@ -5983,20 +5978,888 @@
           </a:p>
         </p:txBody>
       </p:sp>
-      <p:sp>
-        <p:nvSpPr>
-          <p:cNvPr id="3" name="Espace réservé du contenu 2"/>
-          <p:cNvSpPr>
-            <a:spLocks noGrp="1"/>
-          </p:cNvSpPr>
-          <p:nvPr>
-            <p:ph sz="half" idx="1"/>
-          </p:nvPr>
+      <mc:AlternateContent xmlns:mc="http://schemas.openxmlformats.org/markup-compatibility/2006">
+        <mc:Choice xmlns:a14="http://schemas.microsoft.com/office/drawing/2010/main" Requires="a14">
+          <p:sp>
+            <p:nvSpPr>
+              <p:cNvPr id="3" name="Espace réservé du contenu 2"/>
+              <p:cNvSpPr>
+                <a:spLocks noGrp="1"/>
+              </p:cNvSpPr>
+              <p:nvPr>
+                <p:ph sz="half" idx="1"/>
+              </p:nvPr>
+            </p:nvSpPr>
+            <p:spPr>
+              <a:xfrm>
+                <a:off x="1066800" y="1825624"/>
+                <a:ext cx="4813176" cy="4575175"/>
+              </a:xfrm>
+            </p:spPr>
+            <p:txBody>
+              <a:bodyPr>
+                <a:normAutofit/>
+              </a:bodyPr>
+              <a:lstStyle/>
+              <a:p>
+                <a:pPr>
+                  <a:buClr>
+                    <a:schemeClr val="tx1">
+                      <a:lumMod val="75000"/>
+                    </a:schemeClr>
+                  </a:buClr>
+                </a:pPr>
+                <a:r>
+                  <a:rPr lang="fr-FR" dirty="0" smtClean="0"/>
+                  <a:t>Coefficients de prédiction linéaire (LPC)</a:t>
+                </a:r>
+              </a:p>
+              <a:p>
+                <a:pPr marL="0" indent="0">
+                  <a:buClr>
+                    <a:schemeClr val="tx1">
+                      <a:lumMod val="75000"/>
+                    </a:schemeClr>
+                  </a:buClr>
+                  <a:buNone/>
+                </a:pPr>
+                <a14:m>
+                  <m:oMathPara xmlns:m="http://schemas.openxmlformats.org/officeDocument/2006/math">
+                    <m:oMathParaPr>
+                      <m:jc m:val="centerGroup"/>
+                    </m:oMathParaPr>
+                    <m:oMath xmlns:m="http://schemas.openxmlformats.org/officeDocument/2006/math">
+                      <m:sSub>
+                        <m:sSubPr>
+                          <m:ctrlPr>
+                            <a:rPr lang="fr-FR" b="0" i="1" smtClean="0">
+                              <a:latin typeface="Cambria Math" panose="02040503050406030204" pitchFamily="18" charset="0"/>
+                            </a:rPr>
+                          </m:ctrlPr>
+                        </m:sSubPr>
+                        <m:e>
+                          <m:r>
+                            <a:rPr lang="fr-FR" b="0" i="1" smtClean="0">
+                              <a:latin typeface="Cambria Math" panose="02040503050406030204" pitchFamily="18" charset="0"/>
+                            </a:rPr>
+                            <m:t>𝑋</m:t>
+                          </m:r>
+                        </m:e>
+                        <m:sub>
+                          <m:r>
+                            <a:rPr lang="fr-FR" b="0" i="1" smtClean="0">
+                              <a:latin typeface="Cambria Math" panose="02040503050406030204" pitchFamily="18" charset="0"/>
+                            </a:rPr>
+                            <m:t>𝑡</m:t>
+                          </m:r>
+                        </m:sub>
+                      </m:sSub>
+                      <m:r>
+                        <a:rPr lang="fr-FR" b="0" i="1" smtClean="0">
+                          <a:latin typeface="Cambria Math" panose="02040503050406030204" pitchFamily="18" charset="0"/>
+                        </a:rPr>
+                        <m:t>=</m:t>
+                      </m:r>
+                      <m:r>
+                        <a:rPr lang="fr-FR" b="0" i="1" smtClean="0">
+                          <a:latin typeface="Cambria Math" panose="02040503050406030204" pitchFamily="18" charset="0"/>
+                        </a:rPr>
+                        <m:t>𝑐</m:t>
+                      </m:r>
+                      <m:r>
+                        <a:rPr lang="fr-FR" b="0" i="1" smtClean="0">
+                          <a:latin typeface="Cambria Math" panose="02040503050406030204" pitchFamily="18" charset="0"/>
+                        </a:rPr>
+                        <m:t>+</m:t>
+                      </m:r>
+                      <m:nary>
+                        <m:naryPr>
+                          <m:chr m:val="∑"/>
+                          <m:ctrlPr>
+                            <a:rPr lang="fr-FR" b="0" i="1" smtClean="0">
+                              <a:latin typeface="Cambria Math" panose="02040503050406030204" pitchFamily="18" charset="0"/>
+                            </a:rPr>
+                          </m:ctrlPr>
+                        </m:naryPr>
+                        <m:sub>
+                          <m:r>
+                            <m:rPr>
+                              <m:brk m:alnAt="23"/>
+                            </m:rPr>
+                            <a:rPr lang="fr-FR" b="0" i="1" smtClean="0">
+                              <a:latin typeface="Cambria Math" panose="02040503050406030204" pitchFamily="18" charset="0"/>
+                            </a:rPr>
+                            <m:t>𝑖</m:t>
+                          </m:r>
+                          <m:r>
+                            <a:rPr lang="fr-FR" b="0" i="1" smtClean="0">
+                              <a:latin typeface="Cambria Math" panose="02040503050406030204" pitchFamily="18" charset="0"/>
+                            </a:rPr>
+                            <m:t>=1</m:t>
+                          </m:r>
+                        </m:sub>
+                        <m:sup>
+                          <m:r>
+                            <a:rPr lang="fr-FR" b="0" i="1" smtClean="0">
+                              <a:latin typeface="Cambria Math" panose="02040503050406030204" pitchFamily="18" charset="0"/>
+                            </a:rPr>
+                            <m:t>𝑝</m:t>
+                          </m:r>
+                        </m:sup>
+                        <m:e>
+                          <m:sSub>
+                            <m:sSubPr>
+                              <m:ctrlPr>
+                                <a:rPr lang="fr-FR" i="1">
+                                  <a:latin typeface="Cambria Math" panose="02040503050406030204" pitchFamily="18" charset="0"/>
+                                </a:rPr>
+                              </m:ctrlPr>
+                            </m:sSubPr>
+                            <m:e>
+                              <m:r>
+                                <a:rPr lang="fr-FR" i="1">
+                                  <a:latin typeface="Cambria Math" panose="02040503050406030204" pitchFamily="18" charset="0"/>
+                                  <a:ea typeface="Cambria Math" panose="02040503050406030204" pitchFamily="18" charset="0"/>
+                                </a:rPr>
+                                <m:t>𝑎</m:t>
+                              </m:r>
+                            </m:e>
+                            <m:sub>
+                              <m:r>
+                                <a:rPr lang="fr-FR" i="1">
+                                  <a:latin typeface="Cambria Math" panose="02040503050406030204" pitchFamily="18" charset="0"/>
+                                </a:rPr>
+                                <m:t>𝑖</m:t>
+                              </m:r>
+                            </m:sub>
+                          </m:sSub>
+                          <m:sSub>
+                            <m:sSubPr>
+                              <m:ctrlPr>
+                                <a:rPr lang="fr-FR" i="1" smtClean="0">
+                                  <a:latin typeface="Cambria Math" panose="02040503050406030204" pitchFamily="18" charset="0"/>
+                                </a:rPr>
+                              </m:ctrlPr>
+                            </m:sSubPr>
+                            <m:e>
+                              <m:r>
+                                <a:rPr lang="fr-FR" b="0" i="1" smtClean="0">
+                                  <a:latin typeface="Cambria Math" panose="02040503050406030204" pitchFamily="18" charset="0"/>
+                                </a:rPr>
+                                <m:t>𝑋</m:t>
+                              </m:r>
+                            </m:e>
+                            <m:sub>
+                              <m:r>
+                                <a:rPr lang="fr-FR" b="0" i="1" smtClean="0">
+                                  <a:latin typeface="Cambria Math" panose="02040503050406030204" pitchFamily="18" charset="0"/>
+                                </a:rPr>
+                                <m:t>𝑡</m:t>
+                              </m:r>
+                              <m:r>
+                                <a:rPr lang="fr-FR" b="0" i="1" smtClean="0">
+                                  <a:latin typeface="Cambria Math" panose="02040503050406030204" pitchFamily="18" charset="0"/>
+                                </a:rPr>
+                                <m:t>−</m:t>
+                              </m:r>
+                              <m:r>
+                                <a:rPr lang="fr-FR" b="0" i="1" smtClean="0">
+                                  <a:latin typeface="Cambria Math" panose="02040503050406030204" pitchFamily="18" charset="0"/>
+                                </a:rPr>
+                                <m:t>𝑖</m:t>
+                              </m:r>
+                            </m:sub>
+                          </m:sSub>
+                        </m:e>
+                      </m:nary>
+                      <m:r>
+                        <a:rPr lang="fr-FR" b="0" i="1" smtClean="0">
+                          <a:latin typeface="Cambria Math" panose="02040503050406030204" pitchFamily="18" charset="0"/>
+                        </a:rPr>
+                        <m:t>+</m:t>
+                      </m:r>
+                      <m:sSub>
+                        <m:sSubPr>
+                          <m:ctrlPr>
+                            <a:rPr lang="fr-FR" b="0" i="1" smtClean="0">
+                              <a:latin typeface="Cambria Math" panose="02040503050406030204" pitchFamily="18" charset="0"/>
+                            </a:rPr>
+                          </m:ctrlPr>
+                        </m:sSubPr>
+                        <m:e>
+                          <m:r>
+                            <a:rPr lang="fr-FR" b="0" i="1" smtClean="0">
+                              <a:latin typeface="Cambria Math" panose="02040503050406030204" pitchFamily="18" charset="0"/>
+                              <a:ea typeface="Cambria Math" panose="02040503050406030204" pitchFamily="18" charset="0"/>
+                            </a:rPr>
+                            <m:t>𝜀</m:t>
+                          </m:r>
+                        </m:e>
+                        <m:sub>
+                          <m:r>
+                            <a:rPr lang="fr-FR" b="0" i="1" smtClean="0">
+                              <a:latin typeface="Cambria Math" panose="02040503050406030204" pitchFamily="18" charset="0"/>
+                            </a:rPr>
+                            <m:t>𝑡</m:t>
+                          </m:r>
+                        </m:sub>
+                      </m:sSub>
+                    </m:oMath>
+                  </m:oMathPara>
+                </a14:m>
+                <a:endParaRPr lang="fr-FR" dirty="0" smtClean="0"/>
+              </a:p>
+            </p:txBody>
+          </p:sp>
+        </mc:Choice>
+        <mc:Fallback>
+          <p:sp>
+            <p:nvSpPr>
+              <p:cNvPr id="3" name="Espace réservé du contenu 2"/>
+              <p:cNvSpPr>
+                <a:spLocks noGrp="1" noRot="1" noChangeAspect="1" noMove="1" noResize="1" noEditPoints="1" noAdjustHandles="1" noChangeArrowheads="1" noChangeShapeType="1" noTextEdit="1"/>
+              </p:cNvSpPr>
+              <p:nvPr>
+                <p:ph sz="half" idx="1"/>
+              </p:nvPr>
+            </p:nvSpPr>
+            <p:spPr>
+              <a:xfrm>
+                <a:off x="1066800" y="1825624"/>
+                <a:ext cx="4813176" cy="4575175"/>
+              </a:xfrm>
+              <a:blipFill rotWithShape="0">
+                <a:blip r:embed="rId2"/>
+                <a:stretch>
+                  <a:fillRect l="-886" t="-1731" r="-3165"/>
+                </a:stretch>
+              </a:blipFill>
+            </p:spPr>
+            <p:txBody>
+              <a:bodyPr/>
+              <a:lstStyle/>
+              <a:p>
+                <a:r>
+                  <a:rPr lang="fr-FR">
+                    <a:noFill/>
+                  </a:rPr>
+                  <a:t> </a:t>
+                </a:r>
+              </a:p>
+            </p:txBody>
+          </p:sp>
+        </mc:Fallback>
+      </mc:AlternateContent>
+      <p:sp>
+        <p:nvSpPr>
+          <p:cNvPr id="6" name="ZoneTexte 3"/>
+          <p:cNvSpPr txBox="1"/>
+          <p:nvPr/>
         </p:nvSpPr>
         <p:spPr>
           <a:xfrm>
-            <a:off x="1066800" y="1825624"/>
-            <a:ext cx="9925744" cy="4575175"/>
+            <a:off x="6617127" y="5704301"/>
+            <a:ext cx="2292896" cy="369332"/>
+          </a:xfrm>
+          <a:prstGeom prst="rect">
+            <a:avLst/>
+          </a:prstGeom>
+          <a:solidFill>
+            <a:schemeClr val="accent1"/>
+          </a:solidFill>
+        </p:spPr>
+        <p:txBody>
+          <a:bodyPr wrap="square" rtlCol="0">
+            <a:spAutoFit/>
+          </a:bodyPr>
+          <a:lstStyle/>
+          <a:p>
+            <a:pPr algn="ctr"/>
+            <a:r>
+              <a:rPr lang="fr-FR" dirty="0" smtClean="0"/>
+              <a:t>Banc de filtres Mel</a:t>
+            </a:r>
+            <a:endParaRPr lang="fr-FR" baseline="30000" dirty="0"/>
+          </a:p>
+        </p:txBody>
+      </p:sp>
+      <p:sp>
+        <p:nvSpPr>
+          <p:cNvPr id="7" name="ZoneTexte 3"/>
+          <p:cNvSpPr txBox="1"/>
+          <p:nvPr/>
+        </p:nvSpPr>
+        <p:spPr>
+          <a:xfrm>
+            <a:off x="6617127" y="4723308"/>
+            <a:ext cx="2292896" cy="369332"/>
+          </a:xfrm>
+          <a:prstGeom prst="rect">
+            <a:avLst/>
+          </a:prstGeom>
+          <a:solidFill>
+            <a:schemeClr val="accent1"/>
+          </a:solidFill>
+        </p:spPr>
+        <p:txBody>
+          <a:bodyPr wrap="square" rtlCol="0">
+            <a:spAutoFit/>
+          </a:bodyPr>
+          <a:lstStyle/>
+          <a:p>
+            <a:pPr algn="ctr"/>
+            <a:r>
+              <a:rPr lang="fr-FR" dirty="0" smtClean="0"/>
+              <a:t>FFT</a:t>
+            </a:r>
+            <a:endParaRPr lang="fr-FR" baseline="30000" dirty="0"/>
+          </a:p>
+        </p:txBody>
+      </p:sp>
+      <p:sp>
+        <p:nvSpPr>
+          <p:cNvPr id="8" name="ZoneTexte 3"/>
+          <p:cNvSpPr txBox="1"/>
+          <p:nvPr/>
+        </p:nvSpPr>
+        <p:spPr>
+          <a:xfrm>
+            <a:off x="6617127" y="3745414"/>
+            <a:ext cx="2292896" cy="369332"/>
+          </a:xfrm>
+          <a:prstGeom prst="rect">
+            <a:avLst/>
+          </a:prstGeom>
+          <a:solidFill>
+            <a:schemeClr val="accent1"/>
+          </a:solidFill>
+        </p:spPr>
+        <p:txBody>
+          <a:bodyPr wrap="square" rtlCol="0">
+            <a:spAutoFit/>
+          </a:bodyPr>
+          <a:lstStyle/>
+          <a:p>
+            <a:pPr algn="ctr"/>
+            <a:r>
+              <a:rPr lang="fr-FR" dirty="0" smtClean="0"/>
+              <a:t>Fenêtrage</a:t>
+            </a:r>
+            <a:endParaRPr lang="fr-FR" baseline="30000" dirty="0"/>
+          </a:p>
+        </p:txBody>
+      </p:sp>
+      <p:sp>
+        <p:nvSpPr>
+          <p:cNvPr id="9" name="ZoneTexte 3"/>
+          <p:cNvSpPr txBox="1"/>
+          <p:nvPr/>
+        </p:nvSpPr>
+        <p:spPr>
+          <a:xfrm>
+            <a:off x="6617127" y="2765971"/>
+            <a:ext cx="2292896" cy="369332"/>
+          </a:xfrm>
+          <a:prstGeom prst="rect">
+            <a:avLst/>
+          </a:prstGeom>
+          <a:solidFill>
+            <a:schemeClr val="accent1"/>
+          </a:solidFill>
+          <a:ln w="12700">
+            <a:solidFill>
+              <a:schemeClr val="accent1">
+                <a:lumMod val="50000"/>
+              </a:schemeClr>
+            </a:solidFill>
+          </a:ln>
+        </p:spPr>
+        <p:txBody>
+          <a:bodyPr wrap="square" rtlCol="0">
+            <a:spAutoFit/>
+          </a:bodyPr>
+          <a:lstStyle/>
+          <a:p>
+            <a:pPr algn="ctr"/>
+            <a:r>
+              <a:rPr lang="fr-FR" dirty="0" smtClean="0"/>
+              <a:t>Signal </a:t>
+            </a:r>
+            <a:r>
+              <a:rPr lang="fr-FR" dirty="0" smtClean="0"/>
+              <a:t>échantillonné</a:t>
+            </a:r>
+            <a:endParaRPr lang="fr-FR" baseline="30000" dirty="0"/>
+          </a:p>
+        </p:txBody>
+      </p:sp>
+      <p:sp>
+        <p:nvSpPr>
+          <p:cNvPr id="10" name="ZoneTexte 3"/>
+          <p:cNvSpPr txBox="1"/>
+          <p:nvPr/>
+        </p:nvSpPr>
+        <p:spPr>
+          <a:xfrm>
+            <a:off x="9702111" y="2766257"/>
+            <a:ext cx="2160240" cy="369332"/>
+          </a:xfrm>
+          <a:prstGeom prst="rect">
+            <a:avLst/>
+          </a:prstGeom>
+          <a:solidFill>
+            <a:schemeClr val="accent1"/>
+          </a:solidFill>
+        </p:spPr>
+        <p:txBody>
+          <a:bodyPr wrap="square" rtlCol="0">
+            <a:spAutoFit/>
+          </a:bodyPr>
+          <a:lstStyle/>
+          <a:p>
+            <a:pPr algn="ctr"/>
+            <a:r>
+              <a:rPr lang="fr-FR" dirty="0" smtClean="0"/>
+              <a:t>Logarithme</a:t>
+            </a:r>
+            <a:endParaRPr lang="fr-FR" baseline="30000" dirty="0"/>
+          </a:p>
+        </p:txBody>
+      </p:sp>
+      <p:sp>
+        <p:nvSpPr>
+          <p:cNvPr id="11" name="ZoneTexte 3"/>
+          <p:cNvSpPr txBox="1"/>
+          <p:nvPr/>
+        </p:nvSpPr>
+        <p:spPr>
+          <a:xfrm>
+            <a:off x="9696075" y="3745701"/>
+            <a:ext cx="2160240" cy="369332"/>
+          </a:xfrm>
+          <a:prstGeom prst="rect">
+            <a:avLst/>
+          </a:prstGeom>
+          <a:solidFill>
+            <a:schemeClr val="accent1"/>
+          </a:solidFill>
+        </p:spPr>
+        <p:txBody>
+          <a:bodyPr wrap="square" rtlCol="0">
+            <a:spAutoFit/>
+          </a:bodyPr>
+          <a:lstStyle/>
+          <a:p>
+            <a:pPr algn="ctr"/>
+            <a:r>
+              <a:rPr lang="fr-FR" dirty="0" smtClean="0"/>
+              <a:t>DCT</a:t>
+            </a:r>
+            <a:endParaRPr lang="fr-FR" baseline="30000" dirty="0"/>
+          </a:p>
+        </p:txBody>
+      </p:sp>
+      <p:sp>
+        <p:nvSpPr>
+          <p:cNvPr id="12" name="ZoneTexte 3"/>
+          <p:cNvSpPr txBox="1"/>
+          <p:nvPr/>
+        </p:nvSpPr>
+        <p:spPr>
+          <a:xfrm>
+            <a:off x="9696075" y="4725144"/>
+            <a:ext cx="2160240" cy="369332"/>
+          </a:xfrm>
+          <a:prstGeom prst="rect">
+            <a:avLst/>
+          </a:prstGeom>
+          <a:solidFill>
+            <a:schemeClr val="accent1"/>
+          </a:solidFill>
+          <a:ln w="12700">
+            <a:solidFill>
+              <a:schemeClr val="accent1">
+                <a:lumMod val="50000"/>
+              </a:schemeClr>
+            </a:solidFill>
+          </a:ln>
+        </p:spPr>
+        <p:txBody>
+          <a:bodyPr wrap="square" rtlCol="0">
+            <a:spAutoFit/>
+          </a:bodyPr>
+          <a:lstStyle/>
+          <a:p>
+            <a:pPr algn="ctr"/>
+            <a:r>
+              <a:rPr lang="fr-FR" dirty="0" smtClean="0"/>
+              <a:t>MFCC</a:t>
+            </a:r>
+            <a:endParaRPr lang="fr-FR" baseline="30000" dirty="0"/>
+          </a:p>
+        </p:txBody>
+      </p:sp>
+      <p:sp>
+        <p:nvSpPr>
+          <p:cNvPr id="13" name="ZoneTexte 3"/>
+          <p:cNvSpPr txBox="1"/>
+          <p:nvPr/>
+        </p:nvSpPr>
+        <p:spPr>
+          <a:xfrm>
+            <a:off x="9696075" y="5704301"/>
+            <a:ext cx="2160240" cy="369332"/>
+          </a:xfrm>
+          <a:prstGeom prst="rect">
+            <a:avLst/>
+          </a:prstGeom>
+          <a:solidFill>
+            <a:schemeClr val="accent1">
+              <a:lumMod val="60000"/>
+              <a:lumOff val="40000"/>
+            </a:schemeClr>
+          </a:solidFill>
+        </p:spPr>
+        <p:txBody>
+          <a:bodyPr wrap="square" rtlCol="0">
+            <a:spAutoFit/>
+          </a:bodyPr>
+          <a:lstStyle/>
+          <a:p>
+            <a:pPr algn="ctr"/>
+            <a:r>
+              <a:rPr lang="fr-FR" dirty="0" smtClean="0"/>
+              <a:t>Delta - MFCC</a:t>
+            </a:r>
+            <a:endParaRPr lang="fr-FR" baseline="30000" dirty="0"/>
+          </a:p>
+        </p:txBody>
+      </p:sp>
+      <p:cxnSp>
+        <p:nvCxnSpPr>
+          <p:cNvPr id="14" name="Straight Arrow Connector 13"/>
+          <p:cNvCxnSpPr>
+            <a:stCxn id="9" idx="2"/>
+            <a:endCxn id="8" idx="0"/>
+          </p:cNvCxnSpPr>
+          <p:nvPr/>
+        </p:nvCxnSpPr>
+        <p:spPr>
+          <a:xfrm>
+            <a:off x="7763575" y="3135303"/>
+            <a:ext cx="0" cy="610111"/>
+          </a:xfrm>
+          <a:prstGeom prst="straightConnector1">
+            <a:avLst/>
+          </a:prstGeom>
+          <a:ln>
+            <a:tailEnd type="triangle"/>
+          </a:ln>
+        </p:spPr>
+        <p:style>
+          <a:lnRef idx="1">
+            <a:schemeClr val="accent1"/>
+          </a:lnRef>
+          <a:fillRef idx="0">
+            <a:schemeClr val="accent1"/>
+          </a:fillRef>
+          <a:effectRef idx="0">
+            <a:schemeClr val="accent1"/>
+          </a:effectRef>
+          <a:fontRef idx="minor">
+            <a:schemeClr val="tx1"/>
+          </a:fontRef>
+        </p:style>
+      </p:cxnSp>
+      <p:cxnSp>
+        <p:nvCxnSpPr>
+          <p:cNvPr id="16" name="Straight Arrow Connector 15"/>
+          <p:cNvCxnSpPr>
+            <a:stCxn id="8" idx="2"/>
+            <a:endCxn id="7" idx="0"/>
+          </p:cNvCxnSpPr>
+          <p:nvPr/>
+        </p:nvCxnSpPr>
+        <p:spPr>
+          <a:xfrm>
+            <a:off x="7763575" y="4114746"/>
+            <a:ext cx="0" cy="608562"/>
+          </a:xfrm>
+          <a:prstGeom prst="straightConnector1">
+            <a:avLst/>
+          </a:prstGeom>
+          <a:ln>
+            <a:tailEnd type="triangle"/>
+          </a:ln>
+        </p:spPr>
+        <p:style>
+          <a:lnRef idx="1">
+            <a:schemeClr val="accent1"/>
+          </a:lnRef>
+          <a:fillRef idx="0">
+            <a:schemeClr val="accent1"/>
+          </a:fillRef>
+          <a:effectRef idx="0">
+            <a:schemeClr val="accent1"/>
+          </a:effectRef>
+          <a:fontRef idx="minor">
+            <a:schemeClr val="tx1"/>
+          </a:fontRef>
+        </p:style>
+      </p:cxnSp>
+      <p:cxnSp>
+        <p:nvCxnSpPr>
+          <p:cNvPr id="18" name="Straight Arrow Connector 17"/>
+          <p:cNvCxnSpPr>
+            <a:stCxn id="7" idx="2"/>
+          </p:cNvCxnSpPr>
+          <p:nvPr/>
+        </p:nvCxnSpPr>
+        <p:spPr>
+          <a:xfrm>
+            <a:off x="7763575" y="5092640"/>
+            <a:ext cx="0" cy="611661"/>
+          </a:xfrm>
+          <a:prstGeom prst="straightConnector1">
+            <a:avLst/>
+          </a:prstGeom>
+          <a:ln>
+            <a:tailEnd type="triangle"/>
+          </a:ln>
+        </p:spPr>
+        <p:style>
+          <a:lnRef idx="1">
+            <a:schemeClr val="accent1"/>
+          </a:lnRef>
+          <a:fillRef idx="0">
+            <a:schemeClr val="accent1"/>
+          </a:fillRef>
+          <a:effectRef idx="0">
+            <a:schemeClr val="accent1"/>
+          </a:effectRef>
+          <a:fontRef idx="minor">
+            <a:schemeClr val="tx1"/>
+          </a:fontRef>
+        </p:style>
+      </p:cxnSp>
+      <p:cxnSp>
+        <p:nvCxnSpPr>
+          <p:cNvPr id="20" name="Straight Arrow Connector 19"/>
+          <p:cNvCxnSpPr>
+            <a:stCxn id="10" idx="2"/>
+            <a:endCxn id="11" idx="0"/>
+          </p:cNvCxnSpPr>
+          <p:nvPr/>
+        </p:nvCxnSpPr>
+        <p:spPr>
+          <a:xfrm flipH="1">
+            <a:off x="10776195" y="3135589"/>
+            <a:ext cx="6036" cy="610112"/>
+          </a:xfrm>
+          <a:prstGeom prst="straightConnector1">
+            <a:avLst/>
+          </a:prstGeom>
+          <a:ln>
+            <a:tailEnd type="triangle"/>
+          </a:ln>
+        </p:spPr>
+        <p:style>
+          <a:lnRef idx="1">
+            <a:schemeClr val="accent1"/>
+          </a:lnRef>
+          <a:fillRef idx="0">
+            <a:schemeClr val="accent1"/>
+          </a:fillRef>
+          <a:effectRef idx="0">
+            <a:schemeClr val="accent1"/>
+          </a:effectRef>
+          <a:fontRef idx="minor">
+            <a:schemeClr val="tx1"/>
+          </a:fontRef>
+        </p:style>
+      </p:cxnSp>
+      <p:cxnSp>
+        <p:nvCxnSpPr>
+          <p:cNvPr id="22" name="Straight Arrow Connector 21"/>
+          <p:cNvCxnSpPr>
+            <a:stCxn id="11" idx="2"/>
+            <a:endCxn id="12" idx="0"/>
+          </p:cNvCxnSpPr>
+          <p:nvPr/>
+        </p:nvCxnSpPr>
+        <p:spPr>
+          <a:xfrm>
+            <a:off x="10776195" y="4115033"/>
+            <a:ext cx="0" cy="610111"/>
+          </a:xfrm>
+          <a:prstGeom prst="straightConnector1">
+            <a:avLst/>
+          </a:prstGeom>
+          <a:ln>
+            <a:tailEnd type="triangle"/>
+          </a:ln>
+        </p:spPr>
+        <p:style>
+          <a:lnRef idx="1">
+            <a:schemeClr val="accent1"/>
+          </a:lnRef>
+          <a:fillRef idx="0">
+            <a:schemeClr val="accent1"/>
+          </a:fillRef>
+          <a:effectRef idx="0">
+            <a:schemeClr val="accent1"/>
+          </a:effectRef>
+          <a:fontRef idx="minor">
+            <a:schemeClr val="tx1"/>
+          </a:fontRef>
+        </p:style>
+      </p:cxnSp>
+      <p:cxnSp>
+        <p:nvCxnSpPr>
+          <p:cNvPr id="24" name="Straight Arrow Connector 23"/>
+          <p:cNvCxnSpPr>
+            <a:stCxn id="12" idx="2"/>
+            <a:endCxn id="13" idx="0"/>
+          </p:cNvCxnSpPr>
+          <p:nvPr/>
+        </p:nvCxnSpPr>
+        <p:spPr>
+          <a:xfrm>
+            <a:off x="10776195" y="5094476"/>
+            <a:ext cx="0" cy="609825"/>
+          </a:xfrm>
+          <a:prstGeom prst="straightConnector1">
+            <a:avLst/>
+          </a:prstGeom>
+          <a:ln>
+            <a:prstDash val="dash"/>
+            <a:tailEnd type="triangle"/>
+          </a:ln>
+        </p:spPr>
+        <p:style>
+          <a:lnRef idx="1">
+            <a:schemeClr val="accent1"/>
+          </a:lnRef>
+          <a:fillRef idx="0">
+            <a:schemeClr val="accent1"/>
+          </a:fillRef>
+          <a:effectRef idx="0">
+            <a:schemeClr val="accent1"/>
+          </a:effectRef>
+          <a:fontRef idx="minor">
+            <a:schemeClr val="tx1"/>
+          </a:fontRef>
+        </p:style>
+      </p:cxnSp>
+      <p:cxnSp>
+        <p:nvCxnSpPr>
+          <p:cNvPr id="32" name="Straight Connector 31"/>
+          <p:cNvCxnSpPr/>
+          <p:nvPr/>
+        </p:nvCxnSpPr>
+        <p:spPr>
+          <a:xfrm>
+            <a:off x="9342071" y="2950637"/>
+            <a:ext cx="0" cy="2938330"/>
+          </a:xfrm>
+          <a:prstGeom prst="line">
+            <a:avLst/>
+          </a:prstGeom>
+        </p:spPr>
+        <p:style>
+          <a:lnRef idx="1">
+            <a:schemeClr val="accent1"/>
+          </a:lnRef>
+          <a:fillRef idx="0">
+            <a:schemeClr val="accent1"/>
+          </a:fillRef>
+          <a:effectRef idx="0">
+            <a:schemeClr val="accent1"/>
+          </a:effectRef>
+          <a:fontRef idx="minor">
+            <a:schemeClr val="tx1"/>
+          </a:fontRef>
+        </p:style>
+      </p:cxnSp>
+      <p:cxnSp>
+        <p:nvCxnSpPr>
+          <p:cNvPr id="34" name="Straight Connector 33"/>
+          <p:cNvCxnSpPr/>
+          <p:nvPr/>
+        </p:nvCxnSpPr>
+        <p:spPr>
+          <a:xfrm>
+            <a:off x="8910023" y="5888967"/>
+            <a:ext cx="432048" cy="0"/>
+          </a:xfrm>
+          <a:prstGeom prst="line">
+            <a:avLst/>
+          </a:prstGeom>
+        </p:spPr>
+        <p:style>
+          <a:lnRef idx="1">
+            <a:schemeClr val="accent1"/>
+          </a:lnRef>
+          <a:fillRef idx="0">
+            <a:schemeClr val="accent1"/>
+          </a:fillRef>
+          <a:effectRef idx="0">
+            <a:schemeClr val="accent1"/>
+          </a:effectRef>
+          <a:fontRef idx="minor">
+            <a:schemeClr val="tx1"/>
+          </a:fontRef>
+        </p:style>
+      </p:cxnSp>
+      <p:cxnSp>
+        <p:nvCxnSpPr>
+          <p:cNvPr id="36" name="Straight Arrow Connector 35"/>
+          <p:cNvCxnSpPr>
+            <a:endCxn id="10" idx="1"/>
+          </p:cNvCxnSpPr>
+          <p:nvPr/>
+        </p:nvCxnSpPr>
+        <p:spPr>
+          <a:xfrm>
+            <a:off x="9342071" y="2950637"/>
+            <a:ext cx="360040" cy="286"/>
+          </a:xfrm>
+          <a:prstGeom prst="straightConnector1">
+            <a:avLst/>
+          </a:prstGeom>
+          <a:ln>
+            <a:tailEnd type="triangle"/>
+          </a:ln>
+        </p:spPr>
+        <p:style>
+          <a:lnRef idx="1">
+            <a:schemeClr val="accent1"/>
+          </a:lnRef>
+          <a:fillRef idx="0">
+            <a:schemeClr val="accent1"/>
+          </a:fillRef>
+          <a:effectRef idx="0">
+            <a:schemeClr val="accent1"/>
+          </a:effectRef>
+          <a:fontRef idx="minor">
+            <a:schemeClr val="tx1"/>
+          </a:fontRef>
+        </p:style>
+      </p:cxnSp>
+      <p:sp>
+        <p:nvSpPr>
+          <p:cNvPr id="37" name="Espace réservé du contenu 2"/>
+          <p:cNvSpPr>
+            <a:spLocks noGrp="1"/>
+          </p:cNvSpPr>
+          <p:nvPr>
+            <p:ph sz="half" idx="1"/>
+          </p:nvPr>
+        </p:nvSpPr>
+        <p:spPr>
+          <a:xfrm>
+            <a:off x="6528048" y="1825623"/>
+            <a:ext cx="5328592" cy="4575175"/>
           </a:xfrm>
         </p:spPr>
         <p:txBody>
@@ -6014,19 +6877,6 @@
             </a:pPr>
             <a:r>
               <a:rPr lang="fr-FR" dirty="0" smtClean="0"/>
-              <a:t>Coefficients de prédiction linéaire (LPC)</a:t>
-            </a:r>
-          </a:p>
-          <a:p>
-            <a:pPr>
-              <a:buClr>
-                <a:schemeClr val="tx1">
-                  <a:lumMod val="75000"/>
-                </a:schemeClr>
-              </a:buClr>
-            </a:pPr>
-            <a:r>
-              <a:rPr lang="fr-FR" dirty="0" smtClean="0"/>
               <a:t>Mel </a:t>
             </a:r>
             <a:r>
@@ -6048,36 +6898,6 @@
           </a:p>
         </p:txBody>
       </p:sp>
-      <p:pic>
-        <p:nvPicPr>
-          <p:cNvPr id="5" name="Image 4"/>
-          <p:cNvPicPr>
-            <a:picLocks noChangeAspect="1"/>
-          </p:cNvPicPr>
-          <p:nvPr/>
-        </p:nvPicPr>
-        <p:blipFill>
-          <a:blip r:embed="rId2">
-            <a:extLst>
-              <a:ext uri="{28A0092B-C50C-407E-A947-70E740481C1C}">
-                <a14:useLocalDpi xmlns:a14="http://schemas.microsoft.com/office/drawing/2010/main" val="0"/>
-              </a:ext>
-            </a:extLst>
-          </a:blip>
-          <a:stretch>
-            <a:fillRect/>
-          </a:stretch>
-        </p:blipFill>
-        <p:spPr>
-          <a:xfrm>
-            <a:off x="7464152" y="3284984"/>
-            <a:ext cx="3000375" cy="3143250"/>
-          </a:xfrm>
-          <a:prstGeom prst="rect">
-            <a:avLst/>
-          </a:prstGeom>
-        </p:spPr>
-      </p:pic>
     </p:spTree>
     <p:extLst>
       <p:ext uri="{BB962C8B-B14F-4D97-AF65-F5344CB8AC3E}">
@@ -6610,7 +7430,24 @@
             </a:pPr>
             <a:r>
               <a:rPr lang="fr-FR" dirty="0" smtClean="0"/>
-              <a:t>k grand </a:t>
+              <a:t>Choix du paramètre k :</a:t>
+            </a:r>
+          </a:p>
+          <a:p>
+            <a:pPr lvl="1">
+              <a:buClr>
+                <a:schemeClr val="tx1">
+                  <a:lumMod val="75000"/>
+                </a:schemeClr>
+              </a:buClr>
+            </a:pPr>
+            <a:r>
+              <a:rPr lang="fr-FR" dirty="0" smtClean="0"/>
+              <a:t>k </a:t>
+            </a:r>
+            <a:r>
+              <a:rPr lang="fr-FR" dirty="0" smtClean="0"/>
+              <a:t>grand </a:t>
             </a:r>
             <a:r>
               <a:rPr lang="fr-FR" dirty="0" smtClean="0">
@@ -6624,7 +7461,7 @@
             </a:r>
           </a:p>
           <a:p>
-            <a:pPr lvl="0">
+            <a:pPr lvl="1">
               <a:buClr>
                 <a:schemeClr val="tx1">
                   <a:lumMod val="75000"/>
@@ -6859,8 +7696,13 @@
             </a:pPr>
             <a:r>
               <a:rPr lang="fr-FR" dirty="0"/>
-              <a:t>Ordre des LPC</a:t>
-            </a:r>
+              <a:t>Ordre des </a:t>
+            </a:r>
+            <a:r>
+              <a:rPr lang="fr-FR" dirty="0" smtClean="0"/>
+              <a:t>LPC : 10</a:t>
+            </a:r>
+            <a:endParaRPr lang="fr-FR" dirty="0"/>
           </a:p>
           <a:p>
             <a:pPr lvl="1">
@@ -6872,8 +7714,13 @@
             </a:pPr>
             <a:r>
               <a:rPr lang="fr-FR" dirty="0"/>
-              <a:t>Nombre de MFCC</a:t>
-            </a:r>
+              <a:t>Nombre de </a:t>
+            </a:r>
+            <a:r>
+              <a:rPr lang="fr-FR" dirty="0" smtClean="0"/>
+              <a:t>MFCC : 25</a:t>
+            </a:r>
+            <a:endParaRPr lang="fr-FR" dirty="0"/>
           </a:p>
           <a:p>
             <a:pPr lvl="1">
@@ -6885,8 +7732,13 @@
             </a:pPr>
             <a:r>
               <a:rPr lang="fr-FR" dirty="0"/>
-              <a:t>Paramètre k de l’algorithme de classification</a:t>
-            </a:r>
+              <a:t>Paramètre k de l’algorithme de </a:t>
+            </a:r>
+            <a:r>
+              <a:rPr lang="fr-FR" dirty="0" smtClean="0"/>
+              <a:t>classification : entre 1 et 6</a:t>
+            </a:r>
+            <a:endParaRPr lang="fr-FR" dirty="0"/>
           </a:p>
           <a:p>
             <a:pPr>
